--- a/NP-RepMet.pptx
+++ b/NP-RepMet.pptx
@@ -279,7 +279,7 @@
               <a:pPr>
                 <a:defRPr/>
               </a:pPr>
-              <a:t>2020/10/20</a:t>
+              <a:t>2020/10/22</a:t>
             </a:fld>
             <a:endParaRPr lang="zh-CN" altLang="en-US"/>
           </a:p>
@@ -514,7 +514,7 @@
               <a:pPr>
                 <a:defRPr/>
               </a:pPr>
-              <a:t>2020/10/20</a:t>
+              <a:t>2020/10/22</a:t>
             </a:fld>
             <a:endParaRPr lang="zh-CN" altLang="en-US"/>
           </a:p>
@@ -3473,7 +3473,7 @@
               <a:pPr>
                 <a:defRPr/>
               </a:pPr>
-              <a:t>2020/10/20</a:t>
+              <a:t>2020/10/22</a:t>
             </a:fld>
             <a:endParaRPr lang="zh-CN" altLang="en-US"/>
           </a:p>
@@ -3686,7 +3686,7 @@
               <a:pPr>
                 <a:defRPr/>
               </a:pPr>
-              <a:t>2020/10/20</a:t>
+              <a:t>2020/10/22</a:t>
             </a:fld>
             <a:endParaRPr lang="zh-CN" altLang="en-US"/>
           </a:p>
@@ -3976,7 +3976,7 @@
               <a:pPr>
                 <a:defRPr/>
               </a:pPr>
-              <a:t>2020/10/20</a:t>
+              <a:t>2020/10/22</a:t>
             </a:fld>
             <a:endParaRPr lang="zh-CN" altLang="en-US"/>
           </a:p>
@@ -4189,7 +4189,7 @@
               <a:pPr>
                 <a:defRPr/>
               </a:pPr>
-              <a:t>2020/10/20</a:t>
+              <a:t>2020/10/22</a:t>
             </a:fld>
             <a:endParaRPr lang="zh-CN" altLang="en-US"/>
           </a:p>
@@ -4340,7 +4340,7 @@
               <a:pPr>
                 <a:defRPr/>
               </a:pPr>
-              <a:t>2020/10/20</a:t>
+              <a:t>2020/10/22</a:t>
             </a:fld>
             <a:endParaRPr lang="zh-CN" altLang="en-US"/>
           </a:p>
@@ -4672,7 +4672,7 @@
               <a:pPr>
                 <a:defRPr/>
               </a:pPr>
-              <a:t>2020/10/20</a:t>
+              <a:t>2020/10/22</a:t>
             </a:fld>
             <a:endParaRPr lang="zh-CN" altLang="en-US"/>
           </a:p>
@@ -5421,7 +5421,7 @@
               <a:pPr>
                 <a:defRPr/>
               </a:pPr>
-              <a:t>2020/10/20</a:t>
+              <a:t>2020/10/22</a:t>
             </a:fld>
             <a:endParaRPr lang="zh-CN" altLang="en-US"/>
           </a:p>
@@ -12417,6 +12417,36 @@
           <a:chExt cx="0" cy="0"/>
         </a:xfrm>
       </p:grpSpPr>
+      <p:pic>
+        <p:nvPicPr>
+          <p:cNvPr id="5" name="图片 4">
+            <a:extLst>
+              <a:ext uri="{FF2B5EF4-FFF2-40B4-BE49-F238E27FC236}">
+                <a16:creationId xmlns:a16="http://schemas.microsoft.com/office/drawing/2014/main" id="{3192195E-2C10-4B81-B3BA-C279FB3EB572}"/>
+              </a:ext>
+            </a:extLst>
+          </p:cNvPr>
+          <p:cNvPicPr>
+            <a:picLocks noChangeAspect="1"/>
+          </p:cNvPicPr>
+          <p:nvPr/>
+        </p:nvPicPr>
+        <p:blipFill>
+          <a:blip r:embed="rId3"/>
+          <a:stretch>
+            <a:fillRect/>
+          </a:stretch>
+        </p:blipFill>
+        <p:spPr>
+          <a:xfrm>
+            <a:off x="7229971" y="3292624"/>
+            <a:ext cx="9728068" cy="2051654"/>
+          </a:xfrm>
+          <a:prstGeom prst="rect">
+            <a:avLst/>
+          </a:prstGeom>
+        </p:spPr>
+      </p:pic>
       <p:sp>
         <p:nvSpPr>
           <p:cNvPr id="4" name="矩形 3">
@@ -12904,7 +12934,7 @@
           <p:nvPr/>
         </p:nvPicPr>
         <p:blipFill>
-          <a:blip r:embed="rId3">
+          <a:blip r:embed="rId4">
             <a:extLst>
               <a:ext uri="{28A0092B-C50C-407E-A947-70E740481C1C}">
                 <a14:useLocalDpi xmlns:a14="http://schemas.microsoft.com/office/drawing/2010/main" val="0"/>
@@ -13177,66 +13207,6 @@
           </a:p>
         </p:txBody>
       </p:sp>
-      <p:pic>
-        <p:nvPicPr>
-          <p:cNvPr id="20490" name="图片 12">
-            <a:extLst>
-              <a:ext uri="{FF2B5EF4-FFF2-40B4-BE49-F238E27FC236}">
-                <a16:creationId xmlns:a16="http://schemas.microsoft.com/office/drawing/2014/main" id="{6669D382-5E91-4D21-92A7-8341B669D1BB}"/>
-              </a:ext>
-            </a:extLst>
-          </p:cNvPr>
-          <p:cNvPicPr>
-            <a:picLocks noChangeAspect="1" noChangeArrowheads="1"/>
-          </p:cNvPicPr>
-          <p:nvPr/>
-        </p:nvPicPr>
-        <p:blipFill>
-          <a:blip r:embed="rId4">
-            <a:extLst>
-              <a:ext uri="{28A0092B-C50C-407E-A947-70E740481C1C}">
-                <a14:useLocalDpi xmlns:a14="http://schemas.microsoft.com/office/drawing/2010/main" val="0"/>
-              </a:ext>
-            </a:extLst>
-          </a:blip>
-          <a:srcRect/>
-          <a:stretch>
-            <a:fillRect/>
-          </a:stretch>
-        </p:blipFill>
-        <p:spPr bwMode="auto">
-          <a:xfrm>
-            <a:off x="7172325" y="3163254"/>
-            <a:ext cx="10063163" cy="2182812"/>
-          </a:xfrm>
-          <a:prstGeom prst="rect">
-            <a:avLst/>
-          </a:prstGeom>
-          <a:noFill/>
-          <a:ln>
-            <a:noFill/>
-          </a:ln>
-          <a:extLst>
-            <a:ext uri="{909E8E84-426E-40DD-AFC4-6F175D3DCCD1}">
-              <a14:hiddenFill xmlns:a14="http://schemas.microsoft.com/office/drawing/2010/main">
-                <a:solidFill>
-                  <a:srgbClr val="FFFFFF"/>
-                </a:solidFill>
-              </a14:hiddenFill>
-            </a:ext>
-            <a:ext uri="{91240B29-F687-4F45-9708-019B960494DF}">
-              <a14:hiddenLine xmlns:a14="http://schemas.microsoft.com/office/drawing/2010/main" w="9525">
-                <a:solidFill>
-                  <a:srgbClr val="000000"/>
-                </a:solidFill>
-                <a:miter lim="800000"/>
-                <a:headEnd/>
-                <a:tailEnd/>
-              </a14:hiddenLine>
-            </a:ext>
-          </a:extLst>
-        </p:spPr>
-      </p:pic>
       <p:pic>
         <p:nvPicPr>
           <p:cNvPr id="20491" name="图片 18">
@@ -13628,8 +13598,8 @@
         </p:nvSpPr>
         <p:spPr>
           <a:xfrm>
-            <a:off x="7386489" y="4886803"/>
-            <a:ext cx="9649188" cy="282097"/>
+            <a:off x="7440190" y="4892677"/>
+            <a:ext cx="9510861" cy="272156"/>
           </a:xfrm>
           <a:prstGeom prst="rect">
             <a:avLst/>
